--- a/03- Probability and Information Theory/ML4NuerScience_Probability_info_theory.pptx
+++ b/03- Probability and Information Theory/ML4NuerScience_Probability_info_theory.pptx
@@ -355,7 +355,7 @@
               <a:pPr>
                 <a:defRPr/>
               </a:pPr>
-              <a:t>13/12/2022</a:t>
+              <a:t>09/01/2023</a:t>
             </a:fld>
             <a:endParaRPr lang="en-GB" altLang="en-US" dirty="0"/>
           </a:p>
@@ -589,7 +589,7 @@
               <a:pPr>
                 <a:defRPr/>
               </a:pPr>
-              <a:t>13/12/2022</a:t>
+              <a:t>09/01/2023</a:t>
             </a:fld>
             <a:endParaRPr lang="en-GB" altLang="en-US" dirty="0"/>
           </a:p>
@@ -1558,7 +1558,7 @@
               <a:pPr>
                 <a:defRPr/>
               </a:pPr>
-              <a:t>13/12/2022</a:t>
+              <a:t>09/01/2023</a:t>
             </a:fld>
             <a:endParaRPr lang="en-GB" altLang="en-US" dirty="0"/>
           </a:p>
@@ -1821,7 +1821,7 @@
               <a:pPr>
                 <a:defRPr/>
               </a:pPr>
-              <a:t>13/12/2022</a:t>
+              <a:t>09/01/2023</a:t>
             </a:fld>
             <a:endParaRPr lang="en-GB" altLang="en-US" dirty="0"/>
           </a:p>
@@ -2059,7 +2059,7 @@
               <a:pPr>
                 <a:defRPr/>
               </a:pPr>
-              <a:t>13/12/2022</a:t>
+              <a:t>09/01/2023</a:t>
             </a:fld>
             <a:endParaRPr lang="en-GB" altLang="en-US" dirty="0"/>
           </a:p>
@@ -2393,7 +2393,7 @@
               <a:pPr>
                 <a:defRPr/>
               </a:pPr>
-              <a:t>13/12/2022</a:t>
+              <a:t>09/01/2023</a:t>
             </a:fld>
             <a:endParaRPr lang="en-GB" altLang="en-US" dirty="0"/>
           </a:p>
@@ -2866,7 +2866,7 @@
               <a:pPr>
                 <a:defRPr/>
               </a:pPr>
-              <a:t>13/12/2022</a:t>
+              <a:t>09/01/2023</a:t>
             </a:fld>
             <a:endParaRPr lang="en-GB" altLang="en-US" dirty="0"/>
           </a:p>
@@ -3030,7 +3030,7 @@
               <a:pPr>
                 <a:defRPr/>
               </a:pPr>
-              <a:t>13/12/2022</a:t>
+              <a:t>09/01/2023</a:t>
             </a:fld>
             <a:endParaRPr lang="en-GB" altLang="en-US" dirty="0"/>
           </a:p>
@@ -3171,7 +3171,7 @@
               <a:pPr>
                 <a:defRPr/>
               </a:pPr>
-              <a:t>13/12/2022</a:t>
+              <a:t>09/01/2023</a:t>
             </a:fld>
             <a:endParaRPr lang="en-GB" altLang="en-US" dirty="0"/>
           </a:p>
@@ -3471,7 +3471,7 @@
               <a:pPr>
                 <a:defRPr/>
               </a:pPr>
-              <a:t>13/12/2022</a:t>
+              <a:t>09/01/2023</a:t>
             </a:fld>
             <a:endParaRPr lang="en-GB" altLang="en-US" dirty="0"/>
           </a:p>
@@ -3797,7 +3797,7 @@
               <a:pPr>
                 <a:defRPr/>
               </a:pPr>
-              <a:t>13/12/2022</a:t>
+              <a:t>09/01/2023</a:t>
             </a:fld>
             <a:endParaRPr lang="en-GB" altLang="en-US" dirty="0"/>
           </a:p>
@@ -5150,13 +5150,18 @@
               <a:buNone/>
             </a:pPr>
             <a:r>
-              <a:rPr lang="en-GB" altLang="en-US" sz="1333" dirty="0">
+              <a:rPr lang="en-GB" altLang="en-US" sz="1333">
                 <a:solidFill>
                   <a:srgbClr val="003D7D"/>
                 </a:solidFill>
               </a:rPr>
-              <a:t>Autumn 2022</a:t>
-            </a:r>
+              <a:t>January 2023</a:t>
+            </a:r>
+            <a:endParaRPr lang="en-GB" altLang="en-US" sz="1333" dirty="0">
+              <a:solidFill>
+                <a:srgbClr val="003D7D"/>
+              </a:solidFill>
+            </a:endParaRPr>
           </a:p>
         </p:txBody>
       </p:sp>
